--- a/ppt 16-9/0820.属灵生活.pptx
+++ b/ppt 16-9/0820.属灵生活.pptx
@@ -129,7 +129,7 @@
           <p:cNvPr id="2" name="标题 1">
             <a:extLst>
               <a:ext uri="{FF2B5EF4-FFF2-40B4-BE49-F238E27FC236}">
-                <a16:creationId xmlns:a16="http://schemas.microsoft.com/office/drawing/2014/main" id="{311967D3-D0E3-C343-EE11-904256F31004}"/>
+                <a16:creationId xmlns:a16="http://schemas.microsoft.com/office/drawing/2014/main" id="{65D6DD2B-474A-377E-1C6B-3E691D08F0EC}"/>
               </a:ext>
             </a:extLst>
           </p:cNvPr>
@@ -166,7 +166,7 @@
           <p:cNvPr id="3" name="副标题 2">
             <a:extLst>
               <a:ext uri="{FF2B5EF4-FFF2-40B4-BE49-F238E27FC236}">
-                <a16:creationId xmlns:a16="http://schemas.microsoft.com/office/drawing/2014/main" id="{FC571584-683F-6EB0-6E20-CF56EFAA2C18}"/>
+                <a16:creationId xmlns:a16="http://schemas.microsoft.com/office/drawing/2014/main" id="{9126A05A-C2B1-50D8-F81E-048AA6765FCC}"/>
               </a:ext>
             </a:extLst>
           </p:cNvPr>
@@ -236,7 +236,7 @@
           <p:cNvPr id="4" name="日期占位符 3">
             <a:extLst>
               <a:ext uri="{FF2B5EF4-FFF2-40B4-BE49-F238E27FC236}">
-                <a16:creationId xmlns:a16="http://schemas.microsoft.com/office/drawing/2014/main" id="{BCC54D46-7DB5-4B34-FC32-3DEB2D94A1F5}"/>
+                <a16:creationId xmlns:a16="http://schemas.microsoft.com/office/drawing/2014/main" id="{D1F4A0D7-4AAE-C5C4-B691-2F29D1E24476}"/>
               </a:ext>
             </a:extLst>
           </p:cNvPr>
@@ -252,7 +252,7 @@
           <a:bodyPr/>
           <a:lstStyle/>
           <a:p>
-            <a:fld id="{3764A9C7-6D18-440A-8EB8-68C9FE1E069A}" type="datetimeFigureOut">
+            <a:fld id="{93158D76-9B08-4A7B-B668-641B2BDFD54F}" type="datetimeFigureOut">
               <a:rPr lang="zh-CN" altLang="en-US" smtClean="0"/>
               <a:t>2024/3/10</a:t>
             </a:fld>
@@ -265,7 +265,7 @@
           <p:cNvPr id="5" name="页脚占位符 4">
             <a:extLst>
               <a:ext uri="{FF2B5EF4-FFF2-40B4-BE49-F238E27FC236}">
-                <a16:creationId xmlns:a16="http://schemas.microsoft.com/office/drawing/2014/main" id="{9BD87897-C768-7442-DD47-DDEC94C4A4EB}"/>
+                <a16:creationId xmlns:a16="http://schemas.microsoft.com/office/drawing/2014/main" id="{2A64B36C-D2CF-B8C3-C7B7-9EB007AA4BA9}"/>
               </a:ext>
             </a:extLst>
           </p:cNvPr>
@@ -290,7 +290,7 @@
           <p:cNvPr id="6" name="灯片编号占位符 5">
             <a:extLst>
               <a:ext uri="{FF2B5EF4-FFF2-40B4-BE49-F238E27FC236}">
-                <a16:creationId xmlns:a16="http://schemas.microsoft.com/office/drawing/2014/main" id="{282A16A7-45C2-372A-892A-0C6A3AED3D38}"/>
+                <a16:creationId xmlns:a16="http://schemas.microsoft.com/office/drawing/2014/main" id="{9C0725B2-C222-93D0-B57C-4AA3CDB761D4}"/>
               </a:ext>
             </a:extLst>
           </p:cNvPr>
@@ -306,7 +306,7 @@
           <a:bodyPr/>
           <a:lstStyle/>
           <a:p>
-            <a:fld id="{92E3963A-94AB-4F51-82B2-50E33CD08DD4}" type="slidenum">
+            <a:fld id="{296550F1-297C-4F3F-88C7-5E35AB95C220}" type="slidenum">
               <a:rPr lang="zh-CN" altLang="en-US" smtClean="0"/>
               <a:t>‹#›</a:t>
             </a:fld>
@@ -317,7 +317,7 @@
     </p:spTree>
     <p:extLst>
       <p:ext uri="{BB962C8B-B14F-4D97-AF65-F5344CB8AC3E}">
-        <p14:creationId xmlns:p14="http://schemas.microsoft.com/office/powerpoint/2010/main" val="410883720"/>
+        <p14:creationId xmlns:p14="http://schemas.microsoft.com/office/powerpoint/2010/main" val="2521670388"/>
       </p:ext>
     </p:extLst>
   </p:cSld>
@@ -349,7 +349,7 @@
           <p:cNvPr id="2" name="标题 1">
             <a:extLst>
               <a:ext uri="{FF2B5EF4-FFF2-40B4-BE49-F238E27FC236}">
-                <a16:creationId xmlns:a16="http://schemas.microsoft.com/office/drawing/2014/main" id="{37102DAA-64D3-6FA0-9277-A21401BEC5DA}"/>
+                <a16:creationId xmlns:a16="http://schemas.microsoft.com/office/drawing/2014/main" id="{90A3BD44-7F67-E2FC-05B6-73EDC60EDF83}"/>
               </a:ext>
             </a:extLst>
           </p:cNvPr>
@@ -377,7 +377,7 @@
           <p:cNvPr id="3" name="竖排文字占位符 2">
             <a:extLst>
               <a:ext uri="{FF2B5EF4-FFF2-40B4-BE49-F238E27FC236}">
-                <a16:creationId xmlns:a16="http://schemas.microsoft.com/office/drawing/2014/main" id="{425542E4-402E-E5C1-9844-CB5A9535BE6D}"/>
+                <a16:creationId xmlns:a16="http://schemas.microsoft.com/office/drawing/2014/main" id="{8E9B4512-2D2A-699C-C147-1413EC6381FA}"/>
               </a:ext>
             </a:extLst>
           </p:cNvPr>
@@ -434,7 +434,7 @@
           <p:cNvPr id="4" name="日期占位符 3">
             <a:extLst>
               <a:ext uri="{FF2B5EF4-FFF2-40B4-BE49-F238E27FC236}">
-                <a16:creationId xmlns:a16="http://schemas.microsoft.com/office/drawing/2014/main" id="{DD6026DB-2F3A-8DFB-0770-EC7B4CE34E51}"/>
+                <a16:creationId xmlns:a16="http://schemas.microsoft.com/office/drawing/2014/main" id="{0F970CA0-A1EE-8E64-F1AB-8F83014001FC}"/>
               </a:ext>
             </a:extLst>
           </p:cNvPr>
@@ -450,7 +450,7 @@
           <a:bodyPr/>
           <a:lstStyle/>
           <a:p>
-            <a:fld id="{3764A9C7-6D18-440A-8EB8-68C9FE1E069A}" type="datetimeFigureOut">
+            <a:fld id="{93158D76-9B08-4A7B-B668-641B2BDFD54F}" type="datetimeFigureOut">
               <a:rPr lang="zh-CN" altLang="en-US" smtClean="0"/>
               <a:t>2024/3/10</a:t>
             </a:fld>
@@ -463,7 +463,7 @@
           <p:cNvPr id="5" name="页脚占位符 4">
             <a:extLst>
               <a:ext uri="{FF2B5EF4-FFF2-40B4-BE49-F238E27FC236}">
-                <a16:creationId xmlns:a16="http://schemas.microsoft.com/office/drawing/2014/main" id="{5FE7066B-EE9F-5FD9-EDBB-E89426C82923}"/>
+                <a16:creationId xmlns:a16="http://schemas.microsoft.com/office/drawing/2014/main" id="{FB850DEE-60EA-1B93-2F40-83B02EDE5277}"/>
               </a:ext>
             </a:extLst>
           </p:cNvPr>
@@ -488,7 +488,7 @@
           <p:cNvPr id="6" name="灯片编号占位符 5">
             <a:extLst>
               <a:ext uri="{FF2B5EF4-FFF2-40B4-BE49-F238E27FC236}">
-                <a16:creationId xmlns:a16="http://schemas.microsoft.com/office/drawing/2014/main" id="{876F5917-C8C5-35BF-6ED3-57F84D350A5F}"/>
+                <a16:creationId xmlns:a16="http://schemas.microsoft.com/office/drawing/2014/main" id="{A03D0530-A6E7-82DB-3D98-FF90A27E0C9D}"/>
               </a:ext>
             </a:extLst>
           </p:cNvPr>
@@ -504,7 +504,7 @@
           <a:bodyPr/>
           <a:lstStyle/>
           <a:p>
-            <a:fld id="{92E3963A-94AB-4F51-82B2-50E33CD08DD4}" type="slidenum">
+            <a:fld id="{296550F1-297C-4F3F-88C7-5E35AB95C220}" type="slidenum">
               <a:rPr lang="zh-CN" altLang="en-US" smtClean="0"/>
               <a:t>‹#›</a:t>
             </a:fld>
@@ -515,7 +515,7 @@
     </p:spTree>
     <p:extLst>
       <p:ext uri="{BB962C8B-B14F-4D97-AF65-F5344CB8AC3E}">
-        <p14:creationId xmlns:p14="http://schemas.microsoft.com/office/powerpoint/2010/main" val="410773393"/>
+        <p14:creationId xmlns:p14="http://schemas.microsoft.com/office/powerpoint/2010/main" val="3385366272"/>
       </p:ext>
     </p:extLst>
   </p:cSld>
@@ -547,7 +547,7 @@
           <p:cNvPr id="2" name="竖排标题 1">
             <a:extLst>
               <a:ext uri="{FF2B5EF4-FFF2-40B4-BE49-F238E27FC236}">
-                <a16:creationId xmlns:a16="http://schemas.microsoft.com/office/drawing/2014/main" id="{052A2808-DEBE-0807-5834-C8F1839D0398}"/>
+                <a16:creationId xmlns:a16="http://schemas.microsoft.com/office/drawing/2014/main" id="{B41F5F37-83DF-2252-F693-3A2E6DC898C9}"/>
               </a:ext>
             </a:extLst>
           </p:cNvPr>
@@ -580,7 +580,7 @@
           <p:cNvPr id="3" name="竖排文字占位符 2">
             <a:extLst>
               <a:ext uri="{FF2B5EF4-FFF2-40B4-BE49-F238E27FC236}">
-                <a16:creationId xmlns:a16="http://schemas.microsoft.com/office/drawing/2014/main" id="{76DD6AF6-140D-9190-06D1-3A55F890EF9F}"/>
+                <a16:creationId xmlns:a16="http://schemas.microsoft.com/office/drawing/2014/main" id="{6D99E24E-38C9-23B7-001B-F35DCFA68C24}"/>
               </a:ext>
             </a:extLst>
           </p:cNvPr>
@@ -642,7 +642,7 @@
           <p:cNvPr id="4" name="日期占位符 3">
             <a:extLst>
               <a:ext uri="{FF2B5EF4-FFF2-40B4-BE49-F238E27FC236}">
-                <a16:creationId xmlns:a16="http://schemas.microsoft.com/office/drawing/2014/main" id="{8BFA0F7A-7C5C-200C-D0FD-9446D9820BA5}"/>
+                <a16:creationId xmlns:a16="http://schemas.microsoft.com/office/drawing/2014/main" id="{6DC73C46-FF2C-7C8B-5F61-69A11A28045F}"/>
               </a:ext>
             </a:extLst>
           </p:cNvPr>
@@ -658,7 +658,7 @@
           <a:bodyPr/>
           <a:lstStyle/>
           <a:p>
-            <a:fld id="{3764A9C7-6D18-440A-8EB8-68C9FE1E069A}" type="datetimeFigureOut">
+            <a:fld id="{93158D76-9B08-4A7B-B668-641B2BDFD54F}" type="datetimeFigureOut">
               <a:rPr lang="zh-CN" altLang="en-US" smtClean="0"/>
               <a:t>2024/3/10</a:t>
             </a:fld>
@@ -671,7 +671,7 @@
           <p:cNvPr id="5" name="页脚占位符 4">
             <a:extLst>
               <a:ext uri="{FF2B5EF4-FFF2-40B4-BE49-F238E27FC236}">
-                <a16:creationId xmlns:a16="http://schemas.microsoft.com/office/drawing/2014/main" id="{7C47C684-5ECE-BFC7-0E9E-8DD06A6F81FF}"/>
+                <a16:creationId xmlns:a16="http://schemas.microsoft.com/office/drawing/2014/main" id="{E21B1A37-37B1-EEF8-FE50-1231D0EDC80D}"/>
               </a:ext>
             </a:extLst>
           </p:cNvPr>
@@ -696,7 +696,7 @@
           <p:cNvPr id="6" name="灯片编号占位符 5">
             <a:extLst>
               <a:ext uri="{FF2B5EF4-FFF2-40B4-BE49-F238E27FC236}">
-                <a16:creationId xmlns:a16="http://schemas.microsoft.com/office/drawing/2014/main" id="{4322934F-27F6-7521-2644-532B19DE6372}"/>
+                <a16:creationId xmlns:a16="http://schemas.microsoft.com/office/drawing/2014/main" id="{3F45E69E-5B53-7EDE-9BF2-93411D6669AF}"/>
               </a:ext>
             </a:extLst>
           </p:cNvPr>
@@ -712,7 +712,7 @@
           <a:bodyPr/>
           <a:lstStyle/>
           <a:p>
-            <a:fld id="{92E3963A-94AB-4F51-82B2-50E33CD08DD4}" type="slidenum">
+            <a:fld id="{296550F1-297C-4F3F-88C7-5E35AB95C220}" type="slidenum">
               <a:rPr lang="zh-CN" altLang="en-US" smtClean="0"/>
               <a:t>‹#›</a:t>
             </a:fld>
@@ -723,7 +723,7 @@
     </p:spTree>
     <p:extLst>
       <p:ext uri="{BB962C8B-B14F-4D97-AF65-F5344CB8AC3E}">
-        <p14:creationId xmlns:p14="http://schemas.microsoft.com/office/powerpoint/2010/main" val="3505127973"/>
+        <p14:creationId xmlns:p14="http://schemas.microsoft.com/office/powerpoint/2010/main" val="3598868930"/>
       </p:ext>
     </p:extLst>
   </p:cSld>
@@ -755,7 +755,7 @@
           <p:cNvPr id="2" name="标题 1">
             <a:extLst>
               <a:ext uri="{FF2B5EF4-FFF2-40B4-BE49-F238E27FC236}">
-                <a16:creationId xmlns:a16="http://schemas.microsoft.com/office/drawing/2014/main" id="{ED173A09-8E52-91E5-179C-8EE6313C088C}"/>
+                <a16:creationId xmlns:a16="http://schemas.microsoft.com/office/drawing/2014/main" id="{2F7D75C3-BF36-D72B-F03B-3BE14700A93F}"/>
               </a:ext>
             </a:extLst>
           </p:cNvPr>
@@ -783,7 +783,7 @@
           <p:cNvPr id="3" name="内容占位符 2">
             <a:extLst>
               <a:ext uri="{FF2B5EF4-FFF2-40B4-BE49-F238E27FC236}">
-                <a16:creationId xmlns:a16="http://schemas.microsoft.com/office/drawing/2014/main" id="{89D3B639-130B-C214-E91A-012B34FB29CC}"/>
+                <a16:creationId xmlns:a16="http://schemas.microsoft.com/office/drawing/2014/main" id="{EE49F229-1B7D-61E0-A521-13926D116509}"/>
               </a:ext>
             </a:extLst>
           </p:cNvPr>
@@ -840,7 +840,7 @@
           <p:cNvPr id="4" name="日期占位符 3">
             <a:extLst>
               <a:ext uri="{FF2B5EF4-FFF2-40B4-BE49-F238E27FC236}">
-                <a16:creationId xmlns:a16="http://schemas.microsoft.com/office/drawing/2014/main" id="{12B70642-2816-B78B-A681-D31F48A78E8C}"/>
+                <a16:creationId xmlns:a16="http://schemas.microsoft.com/office/drawing/2014/main" id="{0F6962A5-A1D5-3CCB-760B-5627669A5AAC}"/>
               </a:ext>
             </a:extLst>
           </p:cNvPr>
@@ -856,7 +856,7 @@
           <a:bodyPr/>
           <a:lstStyle/>
           <a:p>
-            <a:fld id="{3764A9C7-6D18-440A-8EB8-68C9FE1E069A}" type="datetimeFigureOut">
+            <a:fld id="{93158D76-9B08-4A7B-B668-641B2BDFD54F}" type="datetimeFigureOut">
               <a:rPr lang="zh-CN" altLang="en-US" smtClean="0"/>
               <a:t>2024/3/10</a:t>
             </a:fld>
@@ -869,7 +869,7 @@
           <p:cNvPr id="5" name="页脚占位符 4">
             <a:extLst>
               <a:ext uri="{FF2B5EF4-FFF2-40B4-BE49-F238E27FC236}">
-                <a16:creationId xmlns:a16="http://schemas.microsoft.com/office/drawing/2014/main" id="{A2497DB9-A61B-A90E-AE84-B192EFF2FB28}"/>
+                <a16:creationId xmlns:a16="http://schemas.microsoft.com/office/drawing/2014/main" id="{6068B507-0678-B437-C0BD-3974D129CCFC}"/>
               </a:ext>
             </a:extLst>
           </p:cNvPr>
@@ -894,7 +894,7 @@
           <p:cNvPr id="6" name="灯片编号占位符 5">
             <a:extLst>
               <a:ext uri="{FF2B5EF4-FFF2-40B4-BE49-F238E27FC236}">
-                <a16:creationId xmlns:a16="http://schemas.microsoft.com/office/drawing/2014/main" id="{04CD042F-713C-20CA-2170-D7D8F373FA93}"/>
+                <a16:creationId xmlns:a16="http://schemas.microsoft.com/office/drawing/2014/main" id="{6815BB67-38E8-2F1F-7118-6DC89222C951}"/>
               </a:ext>
             </a:extLst>
           </p:cNvPr>
@@ -910,7 +910,7 @@
           <a:bodyPr/>
           <a:lstStyle/>
           <a:p>
-            <a:fld id="{92E3963A-94AB-4F51-82B2-50E33CD08DD4}" type="slidenum">
+            <a:fld id="{296550F1-297C-4F3F-88C7-5E35AB95C220}" type="slidenum">
               <a:rPr lang="zh-CN" altLang="en-US" smtClean="0"/>
               <a:t>‹#›</a:t>
             </a:fld>
@@ -921,7 +921,7 @@
     </p:spTree>
     <p:extLst>
       <p:ext uri="{BB962C8B-B14F-4D97-AF65-F5344CB8AC3E}">
-        <p14:creationId xmlns:p14="http://schemas.microsoft.com/office/powerpoint/2010/main" val="1412008964"/>
+        <p14:creationId xmlns:p14="http://schemas.microsoft.com/office/powerpoint/2010/main" val="195103114"/>
       </p:ext>
     </p:extLst>
   </p:cSld>
@@ -953,7 +953,7 @@
           <p:cNvPr id="2" name="标题 1">
             <a:extLst>
               <a:ext uri="{FF2B5EF4-FFF2-40B4-BE49-F238E27FC236}">
-                <a16:creationId xmlns:a16="http://schemas.microsoft.com/office/drawing/2014/main" id="{847010D7-06DC-E896-496D-985848917C86}"/>
+                <a16:creationId xmlns:a16="http://schemas.microsoft.com/office/drawing/2014/main" id="{6511949A-E14F-6C68-1CE4-CC3F565FBE04}"/>
               </a:ext>
             </a:extLst>
           </p:cNvPr>
@@ -990,7 +990,7 @@
           <p:cNvPr id="3" name="文本占位符 2">
             <a:extLst>
               <a:ext uri="{FF2B5EF4-FFF2-40B4-BE49-F238E27FC236}">
-                <a16:creationId xmlns:a16="http://schemas.microsoft.com/office/drawing/2014/main" id="{F23E88AE-883B-678C-093C-EA96852477A1}"/>
+                <a16:creationId xmlns:a16="http://schemas.microsoft.com/office/drawing/2014/main" id="{4154DDFC-9032-8D0A-087A-0818AF52C112}"/>
               </a:ext>
             </a:extLst>
           </p:cNvPr>
@@ -1115,7 +1115,7 @@
           <p:cNvPr id="4" name="日期占位符 3">
             <a:extLst>
               <a:ext uri="{FF2B5EF4-FFF2-40B4-BE49-F238E27FC236}">
-                <a16:creationId xmlns:a16="http://schemas.microsoft.com/office/drawing/2014/main" id="{57E82183-3444-0411-904E-42239661806D}"/>
+                <a16:creationId xmlns:a16="http://schemas.microsoft.com/office/drawing/2014/main" id="{BF577942-3146-6A32-160F-42BB3CD0F755}"/>
               </a:ext>
             </a:extLst>
           </p:cNvPr>
@@ -1131,7 +1131,7 @@
           <a:bodyPr/>
           <a:lstStyle/>
           <a:p>
-            <a:fld id="{3764A9C7-6D18-440A-8EB8-68C9FE1E069A}" type="datetimeFigureOut">
+            <a:fld id="{93158D76-9B08-4A7B-B668-641B2BDFD54F}" type="datetimeFigureOut">
               <a:rPr lang="zh-CN" altLang="en-US" smtClean="0"/>
               <a:t>2024/3/10</a:t>
             </a:fld>
@@ -1144,7 +1144,7 @@
           <p:cNvPr id="5" name="页脚占位符 4">
             <a:extLst>
               <a:ext uri="{FF2B5EF4-FFF2-40B4-BE49-F238E27FC236}">
-                <a16:creationId xmlns:a16="http://schemas.microsoft.com/office/drawing/2014/main" id="{3D735A97-4C16-614E-502B-8FD6051CC88D}"/>
+                <a16:creationId xmlns:a16="http://schemas.microsoft.com/office/drawing/2014/main" id="{EF1AEE9D-2C91-53BE-85DB-4A842EEECCE7}"/>
               </a:ext>
             </a:extLst>
           </p:cNvPr>
@@ -1169,7 +1169,7 @@
           <p:cNvPr id="6" name="灯片编号占位符 5">
             <a:extLst>
               <a:ext uri="{FF2B5EF4-FFF2-40B4-BE49-F238E27FC236}">
-                <a16:creationId xmlns:a16="http://schemas.microsoft.com/office/drawing/2014/main" id="{6BE40CEF-8B17-1234-4F71-2334CDEADEED}"/>
+                <a16:creationId xmlns:a16="http://schemas.microsoft.com/office/drawing/2014/main" id="{1EF63F9D-13D8-1134-AB2B-806A8F9D3D38}"/>
               </a:ext>
             </a:extLst>
           </p:cNvPr>
@@ -1185,7 +1185,7 @@
           <a:bodyPr/>
           <a:lstStyle/>
           <a:p>
-            <a:fld id="{92E3963A-94AB-4F51-82B2-50E33CD08DD4}" type="slidenum">
+            <a:fld id="{296550F1-297C-4F3F-88C7-5E35AB95C220}" type="slidenum">
               <a:rPr lang="zh-CN" altLang="en-US" smtClean="0"/>
               <a:t>‹#›</a:t>
             </a:fld>
@@ -1196,7 +1196,7 @@
     </p:spTree>
     <p:extLst>
       <p:ext uri="{BB962C8B-B14F-4D97-AF65-F5344CB8AC3E}">
-        <p14:creationId xmlns:p14="http://schemas.microsoft.com/office/powerpoint/2010/main" val="2634545117"/>
+        <p14:creationId xmlns:p14="http://schemas.microsoft.com/office/powerpoint/2010/main" val="3595725529"/>
       </p:ext>
     </p:extLst>
   </p:cSld>
@@ -1228,7 +1228,7 @@
           <p:cNvPr id="2" name="标题 1">
             <a:extLst>
               <a:ext uri="{FF2B5EF4-FFF2-40B4-BE49-F238E27FC236}">
-                <a16:creationId xmlns:a16="http://schemas.microsoft.com/office/drawing/2014/main" id="{096E1C7E-E85B-7DE7-8522-2681FA4A8A48}"/>
+                <a16:creationId xmlns:a16="http://schemas.microsoft.com/office/drawing/2014/main" id="{2CC72C24-9D9D-4EFF-C3D2-519EDD8B8E9A}"/>
               </a:ext>
             </a:extLst>
           </p:cNvPr>
@@ -1256,7 +1256,7 @@
           <p:cNvPr id="3" name="内容占位符 2">
             <a:extLst>
               <a:ext uri="{FF2B5EF4-FFF2-40B4-BE49-F238E27FC236}">
-                <a16:creationId xmlns:a16="http://schemas.microsoft.com/office/drawing/2014/main" id="{59C16296-4C3D-2C96-F0B8-6B61FC4308A3}"/>
+                <a16:creationId xmlns:a16="http://schemas.microsoft.com/office/drawing/2014/main" id="{6D5239AF-469E-902A-6978-60AF7DC32CB4}"/>
               </a:ext>
             </a:extLst>
           </p:cNvPr>
@@ -1318,7 +1318,7 @@
           <p:cNvPr id="4" name="内容占位符 3">
             <a:extLst>
               <a:ext uri="{FF2B5EF4-FFF2-40B4-BE49-F238E27FC236}">
-                <a16:creationId xmlns:a16="http://schemas.microsoft.com/office/drawing/2014/main" id="{7836A479-D73F-73EA-5CFF-A1E9664E6ACE}"/>
+                <a16:creationId xmlns:a16="http://schemas.microsoft.com/office/drawing/2014/main" id="{745FB99D-E7ED-AFA2-F0FE-0007AD10BE41}"/>
               </a:ext>
             </a:extLst>
           </p:cNvPr>
@@ -1380,7 +1380,7 @@
           <p:cNvPr id="5" name="日期占位符 4">
             <a:extLst>
               <a:ext uri="{FF2B5EF4-FFF2-40B4-BE49-F238E27FC236}">
-                <a16:creationId xmlns:a16="http://schemas.microsoft.com/office/drawing/2014/main" id="{743C17B4-9B01-C257-F50B-A5388B858BC5}"/>
+                <a16:creationId xmlns:a16="http://schemas.microsoft.com/office/drawing/2014/main" id="{B31261C9-D88B-FC04-6CED-0A3D020E5702}"/>
               </a:ext>
             </a:extLst>
           </p:cNvPr>
@@ -1396,7 +1396,7 @@
           <a:bodyPr/>
           <a:lstStyle/>
           <a:p>
-            <a:fld id="{3764A9C7-6D18-440A-8EB8-68C9FE1E069A}" type="datetimeFigureOut">
+            <a:fld id="{93158D76-9B08-4A7B-B668-641B2BDFD54F}" type="datetimeFigureOut">
               <a:rPr lang="zh-CN" altLang="en-US" smtClean="0"/>
               <a:t>2024/3/10</a:t>
             </a:fld>
@@ -1409,7 +1409,7 @@
           <p:cNvPr id="6" name="页脚占位符 5">
             <a:extLst>
               <a:ext uri="{FF2B5EF4-FFF2-40B4-BE49-F238E27FC236}">
-                <a16:creationId xmlns:a16="http://schemas.microsoft.com/office/drawing/2014/main" id="{7D956193-4F45-D8E1-5CF4-785005F1887B}"/>
+                <a16:creationId xmlns:a16="http://schemas.microsoft.com/office/drawing/2014/main" id="{2A14161B-807A-F25A-38B1-1778D862C001}"/>
               </a:ext>
             </a:extLst>
           </p:cNvPr>
@@ -1434,7 +1434,7 @@
           <p:cNvPr id="7" name="灯片编号占位符 6">
             <a:extLst>
               <a:ext uri="{FF2B5EF4-FFF2-40B4-BE49-F238E27FC236}">
-                <a16:creationId xmlns:a16="http://schemas.microsoft.com/office/drawing/2014/main" id="{8F6E235C-F945-9DAC-FEBD-4F28AF37C7CB}"/>
+                <a16:creationId xmlns:a16="http://schemas.microsoft.com/office/drawing/2014/main" id="{EC1D684C-46B0-A69A-9CA5-1558FDB11D1B}"/>
               </a:ext>
             </a:extLst>
           </p:cNvPr>
@@ -1450,7 +1450,7 @@
           <a:bodyPr/>
           <a:lstStyle/>
           <a:p>
-            <a:fld id="{92E3963A-94AB-4F51-82B2-50E33CD08DD4}" type="slidenum">
+            <a:fld id="{296550F1-297C-4F3F-88C7-5E35AB95C220}" type="slidenum">
               <a:rPr lang="zh-CN" altLang="en-US" smtClean="0"/>
               <a:t>‹#›</a:t>
             </a:fld>
@@ -1461,7 +1461,7 @@
     </p:spTree>
     <p:extLst>
       <p:ext uri="{BB962C8B-B14F-4D97-AF65-F5344CB8AC3E}">
-        <p14:creationId xmlns:p14="http://schemas.microsoft.com/office/powerpoint/2010/main" val="2144491106"/>
+        <p14:creationId xmlns:p14="http://schemas.microsoft.com/office/powerpoint/2010/main" val="2463626174"/>
       </p:ext>
     </p:extLst>
   </p:cSld>
@@ -1493,7 +1493,7 @@
           <p:cNvPr id="2" name="标题 1">
             <a:extLst>
               <a:ext uri="{FF2B5EF4-FFF2-40B4-BE49-F238E27FC236}">
-                <a16:creationId xmlns:a16="http://schemas.microsoft.com/office/drawing/2014/main" id="{1FB70CC2-AE45-B0C7-0913-4895D9149369}"/>
+                <a16:creationId xmlns:a16="http://schemas.microsoft.com/office/drawing/2014/main" id="{79D04327-46A3-7C3E-43D6-FDAAD9EF13F6}"/>
               </a:ext>
             </a:extLst>
           </p:cNvPr>
@@ -1526,7 +1526,7 @@
           <p:cNvPr id="3" name="文本占位符 2">
             <a:extLst>
               <a:ext uri="{FF2B5EF4-FFF2-40B4-BE49-F238E27FC236}">
-                <a16:creationId xmlns:a16="http://schemas.microsoft.com/office/drawing/2014/main" id="{F797AA8C-72DB-2CB3-0A58-DEE9B132A5F5}"/>
+                <a16:creationId xmlns:a16="http://schemas.microsoft.com/office/drawing/2014/main" id="{B7B01B96-96B2-B47E-5CCE-3BDBB49F6D72}"/>
               </a:ext>
             </a:extLst>
           </p:cNvPr>
@@ -1597,7 +1597,7 @@
           <p:cNvPr id="4" name="内容占位符 3">
             <a:extLst>
               <a:ext uri="{FF2B5EF4-FFF2-40B4-BE49-F238E27FC236}">
-                <a16:creationId xmlns:a16="http://schemas.microsoft.com/office/drawing/2014/main" id="{80F0FF9D-0AC1-2232-A854-DDB89522225F}"/>
+                <a16:creationId xmlns:a16="http://schemas.microsoft.com/office/drawing/2014/main" id="{EA2A817A-CDD7-936B-B6E8-E48C692B0AF1}"/>
               </a:ext>
             </a:extLst>
           </p:cNvPr>
@@ -1659,7 +1659,7 @@
           <p:cNvPr id="5" name="文本占位符 4">
             <a:extLst>
               <a:ext uri="{FF2B5EF4-FFF2-40B4-BE49-F238E27FC236}">
-                <a16:creationId xmlns:a16="http://schemas.microsoft.com/office/drawing/2014/main" id="{AE3D6C1D-A2C2-5EF1-02FB-57997D809F12}"/>
+                <a16:creationId xmlns:a16="http://schemas.microsoft.com/office/drawing/2014/main" id="{589F6570-CBA0-FDB3-18C4-69361A5D2BD2}"/>
               </a:ext>
             </a:extLst>
           </p:cNvPr>
@@ -1730,7 +1730,7 @@
           <p:cNvPr id="6" name="内容占位符 5">
             <a:extLst>
               <a:ext uri="{FF2B5EF4-FFF2-40B4-BE49-F238E27FC236}">
-                <a16:creationId xmlns:a16="http://schemas.microsoft.com/office/drawing/2014/main" id="{43E132E8-BBBB-9A61-3229-A0D31CD76C5D}"/>
+                <a16:creationId xmlns:a16="http://schemas.microsoft.com/office/drawing/2014/main" id="{7E4AF4CB-9058-41C4-A842-55C357236D23}"/>
               </a:ext>
             </a:extLst>
           </p:cNvPr>
@@ -1792,7 +1792,7 @@
           <p:cNvPr id="7" name="日期占位符 6">
             <a:extLst>
               <a:ext uri="{FF2B5EF4-FFF2-40B4-BE49-F238E27FC236}">
-                <a16:creationId xmlns:a16="http://schemas.microsoft.com/office/drawing/2014/main" id="{C4A57E2C-13FC-1D18-5770-A0508D111692}"/>
+                <a16:creationId xmlns:a16="http://schemas.microsoft.com/office/drawing/2014/main" id="{4E805FCE-B834-F674-533A-5474968821CF}"/>
               </a:ext>
             </a:extLst>
           </p:cNvPr>
@@ -1808,7 +1808,7 @@
           <a:bodyPr/>
           <a:lstStyle/>
           <a:p>
-            <a:fld id="{3764A9C7-6D18-440A-8EB8-68C9FE1E069A}" type="datetimeFigureOut">
+            <a:fld id="{93158D76-9B08-4A7B-B668-641B2BDFD54F}" type="datetimeFigureOut">
               <a:rPr lang="zh-CN" altLang="en-US" smtClean="0"/>
               <a:t>2024/3/10</a:t>
             </a:fld>
@@ -1821,7 +1821,7 @@
           <p:cNvPr id="8" name="页脚占位符 7">
             <a:extLst>
               <a:ext uri="{FF2B5EF4-FFF2-40B4-BE49-F238E27FC236}">
-                <a16:creationId xmlns:a16="http://schemas.microsoft.com/office/drawing/2014/main" id="{6EEF62D8-F659-27D3-FBDC-0ABE2F90E1E4}"/>
+                <a16:creationId xmlns:a16="http://schemas.microsoft.com/office/drawing/2014/main" id="{4597D7A8-7577-56A7-6027-A8DEA29B9BAC}"/>
               </a:ext>
             </a:extLst>
           </p:cNvPr>
@@ -1846,7 +1846,7 @@
           <p:cNvPr id="9" name="灯片编号占位符 8">
             <a:extLst>
               <a:ext uri="{FF2B5EF4-FFF2-40B4-BE49-F238E27FC236}">
-                <a16:creationId xmlns:a16="http://schemas.microsoft.com/office/drawing/2014/main" id="{50D42441-8E92-A960-806C-BB1AB3DB53E6}"/>
+                <a16:creationId xmlns:a16="http://schemas.microsoft.com/office/drawing/2014/main" id="{5B6E775D-9477-F2FF-4AA5-2353599DB281}"/>
               </a:ext>
             </a:extLst>
           </p:cNvPr>
@@ -1862,7 +1862,7 @@
           <a:bodyPr/>
           <a:lstStyle/>
           <a:p>
-            <a:fld id="{92E3963A-94AB-4F51-82B2-50E33CD08DD4}" type="slidenum">
+            <a:fld id="{296550F1-297C-4F3F-88C7-5E35AB95C220}" type="slidenum">
               <a:rPr lang="zh-CN" altLang="en-US" smtClean="0"/>
               <a:t>‹#›</a:t>
             </a:fld>
@@ -1873,7 +1873,7 @@
     </p:spTree>
     <p:extLst>
       <p:ext uri="{BB962C8B-B14F-4D97-AF65-F5344CB8AC3E}">
-        <p14:creationId xmlns:p14="http://schemas.microsoft.com/office/powerpoint/2010/main" val="1508319664"/>
+        <p14:creationId xmlns:p14="http://schemas.microsoft.com/office/powerpoint/2010/main" val="2629386325"/>
       </p:ext>
     </p:extLst>
   </p:cSld>
@@ -1905,7 +1905,7 @@
           <p:cNvPr id="2" name="标题 1">
             <a:extLst>
               <a:ext uri="{FF2B5EF4-FFF2-40B4-BE49-F238E27FC236}">
-                <a16:creationId xmlns:a16="http://schemas.microsoft.com/office/drawing/2014/main" id="{0B789F0A-98B6-2CA3-7956-7918CAB5B4F3}"/>
+                <a16:creationId xmlns:a16="http://schemas.microsoft.com/office/drawing/2014/main" id="{FE6F6835-FC55-F997-BFF1-881D33ADD99A}"/>
               </a:ext>
             </a:extLst>
           </p:cNvPr>
@@ -1933,7 +1933,7 @@
           <p:cNvPr id="3" name="日期占位符 2">
             <a:extLst>
               <a:ext uri="{FF2B5EF4-FFF2-40B4-BE49-F238E27FC236}">
-                <a16:creationId xmlns:a16="http://schemas.microsoft.com/office/drawing/2014/main" id="{3AE56179-9418-4562-BEBE-3A9F7983C269}"/>
+                <a16:creationId xmlns:a16="http://schemas.microsoft.com/office/drawing/2014/main" id="{7B1ADB39-191D-75FE-D747-B6950D9FC81F}"/>
               </a:ext>
             </a:extLst>
           </p:cNvPr>
@@ -1949,7 +1949,7 @@
           <a:bodyPr/>
           <a:lstStyle/>
           <a:p>
-            <a:fld id="{3764A9C7-6D18-440A-8EB8-68C9FE1E069A}" type="datetimeFigureOut">
+            <a:fld id="{93158D76-9B08-4A7B-B668-641B2BDFD54F}" type="datetimeFigureOut">
               <a:rPr lang="zh-CN" altLang="en-US" smtClean="0"/>
               <a:t>2024/3/10</a:t>
             </a:fld>
@@ -1962,7 +1962,7 @@
           <p:cNvPr id="4" name="页脚占位符 3">
             <a:extLst>
               <a:ext uri="{FF2B5EF4-FFF2-40B4-BE49-F238E27FC236}">
-                <a16:creationId xmlns:a16="http://schemas.microsoft.com/office/drawing/2014/main" id="{9EA0066A-432E-EB40-FDB2-F58BFB427640}"/>
+                <a16:creationId xmlns:a16="http://schemas.microsoft.com/office/drawing/2014/main" id="{B6C3310C-26B4-3E6F-E741-A5DF09CFBA11}"/>
               </a:ext>
             </a:extLst>
           </p:cNvPr>
@@ -1987,7 +1987,7 @@
           <p:cNvPr id="5" name="灯片编号占位符 4">
             <a:extLst>
               <a:ext uri="{FF2B5EF4-FFF2-40B4-BE49-F238E27FC236}">
-                <a16:creationId xmlns:a16="http://schemas.microsoft.com/office/drawing/2014/main" id="{8FB7D4DD-E47A-FC83-43B2-B8F3025F13EF}"/>
+                <a16:creationId xmlns:a16="http://schemas.microsoft.com/office/drawing/2014/main" id="{082FF713-2050-DE5F-F19A-7B6118F2D733}"/>
               </a:ext>
             </a:extLst>
           </p:cNvPr>
@@ -2003,7 +2003,7 @@
           <a:bodyPr/>
           <a:lstStyle/>
           <a:p>
-            <a:fld id="{92E3963A-94AB-4F51-82B2-50E33CD08DD4}" type="slidenum">
+            <a:fld id="{296550F1-297C-4F3F-88C7-5E35AB95C220}" type="slidenum">
               <a:rPr lang="zh-CN" altLang="en-US" smtClean="0"/>
               <a:t>‹#›</a:t>
             </a:fld>
@@ -2014,7 +2014,7 @@
     </p:spTree>
     <p:extLst>
       <p:ext uri="{BB962C8B-B14F-4D97-AF65-F5344CB8AC3E}">
-        <p14:creationId xmlns:p14="http://schemas.microsoft.com/office/powerpoint/2010/main" val="3274365985"/>
+        <p14:creationId xmlns:p14="http://schemas.microsoft.com/office/powerpoint/2010/main" val="311124528"/>
       </p:ext>
     </p:extLst>
   </p:cSld>
@@ -2046,7 +2046,7 @@
           <p:cNvPr id="2" name="日期占位符 1">
             <a:extLst>
               <a:ext uri="{FF2B5EF4-FFF2-40B4-BE49-F238E27FC236}">
-                <a16:creationId xmlns:a16="http://schemas.microsoft.com/office/drawing/2014/main" id="{2528FB3C-5C6F-C35B-E735-574052F54BEE}"/>
+                <a16:creationId xmlns:a16="http://schemas.microsoft.com/office/drawing/2014/main" id="{97DD7954-2598-8021-2254-28E1B18EEDDE}"/>
               </a:ext>
             </a:extLst>
           </p:cNvPr>
@@ -2062,7 +2062,7 @@
           <a:bodyPr/>
           <a:lstStyle/>
           <a:p>
-            <a:fld id="{3764A9C7-6D18-440A-8EB8-68C9FE1E069A}" type="datetimeFigureOut">
+            <a:fld id="{93158D76-9B08-4A7B-B668-641B2BDFD54F}" type="datetimeFigureOut">
               <a:rPr lang="zh-CN" altLang="en-US" smtClean="0"/>
               <a:t>2024/3/10</a:t>
             </a:fld>
@@ -2075,7 +2075,7 @@
           <p:cNvPr id="3" name="页脚占位符 2">
             <a:extLst>
               <a:ext uri="{FF2B5EF4-FFF2-40B4-BE49-F238E27FC236}">
-                <a16:creationId xmlns:a16="http://schemas.microsoft.com/office/drawing/2014/main" id="{B66B6D54-66AD-5DEC-771A-E5ADA59E0A92}"/>
+                <a16:creationId xmlns:a16="http://schemas.microsoft.com/office/drawing/2014/main" id="{5FB2D539-FCC2-B564-589B-DA69CC5136F1}"/>
               </a:ext>
             </a:extLst>
           </p:cNvPr>
@@ -2100,7 +2100,7 @@
           <p:cNvPr id="4" name="灯片编号占位符 3">
             <a:extLst>
               <a:ext uri="{FF2B5EF4-FFF2-40B4-BE49-F238E27FC236}">
-                <a16:creationId xmlns:a16="http://schemas.microsoft.com/office/drawing/2014/main" id="{2B4EEBBF-B448-3035-BAE6-967AF88D3D0C}"/>
+                <a16:creationId xmlns:a16="http://schemas.microsoft.com/office/drawing/2014/main" id="{A4BB48E7-94B7-B5C1-9A2F-729D7AB284DD}"/>
               </a:ext>
             </a:extLst>
           </p:cNvPr>
@@ -2116,7 +2116,7 @@
           <a:bodyPr/>
           <a:lstStyle/>
           <a:p>
-            <a:fld id="{92E3963A-94AB-4F51-82B2-50E33CD08DD4}" type="slidenum">
+            <a:fld id="{296550F1-297C-4F3F-88C7-5E35AB95C220}" type="slidenum">
               <a:rPr lang="zh-CN" altLang="en-US" smtClean="0"/>
               <a:t>‹#›</a:t>
             </a:fld>
@@ -2127,7 +2127,7 @@
     </p:spTree>
     <p:extLst>
       <p:ext uri="{BB962C8B-B14F-4D97-AF65-F5344CB8AC3E}">
-        <p14:creationId xmlns:p14="http://schemas.microsoft.com/office/powerpoint/2010/main" val="4012593603"/>
+        <p14:creationId xmlns:p14="http://schemas.microsoft.com/office/powerpoint/2010/main" val="754632862"/>
       </p:ext>
     </p:extLst>
   </p:cSld>
@@ -2159,7 +2159,7 @@
           <p:cNvPr id="2" name="标题 1">
             <a:extLst>
               <a:ext uri="{FF2B5EF4-FFF2-40B4-BE49-F238E27FC236}">
-                <a16:creationId xmlns:a16="http://schemas.microsoft.com/office/drawing/2014/main" id="{5F0FF934-83A8-E6CA-2CF8-B9B29E06DB3B}"/>
+                <a16:creationId xmlns:a16="http://schemas.microsoft.com/office/drawing/2014/main" id="{00CBE201-E6F8-D3F1-0E26-F39CA2BC5A63}"/>
               </a:ext>
             </a:extLst>
           </p:cNvPr>
@@ -2196,7 +2196,7 @@
           <p:cNvPr id="3" name="内容占位符 2">
             <a:extLst>
               <a:ext uri="{FF2B5EF4-FFF2-40B4-BE49-F238E27FC236}">
-                <a16:creationId xmlns:a16="http://schemas.microsoft.com/office/drawing/2014/main" id="{6D453FD5-0B79-2910-0CE7-5DA0F4ACEFF4}"/>
+                <a16:creationId xmlns:a16="http://schemas.microsoft.com/office/drawing/2014/main" id="{AC57EA90-94B4-2016-B140-84D787BCA3ED}"/>
               </a:ext>
             </a:extLst>
           </p:cNvPr>
@@ -2286,7 +2286,7 @@
           <p:cNvPr id="4" name="文本占位符 3">
             <a:extLst>
               <a:ext uri="{FF2B5EF4-FFF2-40B4-BE49-F238E27FC236}">
-                <a16:creationId xmlns:a16="http://schemas.microsoft.com/office/drawing/2014/main" id="{5670A838-06C4-37AF-4628-39F7382F04F7}"/>
+                <a16:creationId xmlns:a16="http://schemas.microsoft.com/office/drawing/2014/main" id="{DF8AFB7F-B901-96F2-F2D6-8E10C44F77EA}"/>
               </a:ext>
             </a:extLst>
           </p:cNvPr>
@@ -2357,7 +2357,7 @@
           <p:cNvPr id="5" name="日期占位符 4">
             <a:extLst>
               <a:ext uri="{FF2B5EF4-FFF2-40B4-BE49-F238E27FC236}">
-                <a16:creationId xmlns:a16="http://schemas.microsoft.com/office/drawing/2014/main" id="{54728BBB-311A-4B6C-9532-A48D5B3765D2}"/>
+                <a16:creationId xmlns:a16="http://schemas.microsoft.com/office/drawing/2014/main" id="{776E9423-BC7D-6FAD-5219-30FAB50C5C1E}"/>
               </a:ext>
             </a:extLst>
           </p:cNvPr>
@@ -2373,7 +2373,7 @@
           <a:bodyPr/>
           <a:lstStyle/>
           <a:p>
-            <a:fld id="{3764A9C7-6D18-440A-8EB8-68C9FE1E069A}" type="datetimeFigureOut">
+            <a:fld id="{93158D76-9B08-4A7B-B668-641B2BDFD54F}" type="datetimeFigureOut">
               <a:rPr lang="zh-CN" altLang="en-US" smtClean="0"/>
               <a:t>2024/3/10</a:t>
             </a:fld>
@@ -2386,7 +2386,7 @@
           <p:cNvPr id="6" name="页脚占位符 5">
             <a:extLst>
               <a:ext uri="{FF2B5EF4-FFF2-40B4-BE49-F238E27FC236}">
-                <a16:creationId xmlns:a16="http://schemas.microsoft.com/office/drawing/2014/main" id="{21E9F0BD-7EEB-EE32-D441-067B2BCAF19E}"/>
+                <a16:creationId xmlns:a16="http://schemas.microsoft.com/office/drawing/2014/main" id="{119AE1AD-1A71-A327-5388-C656074A3DDD}"/>
               </a:ext>
             </a:extLst>
           </p:cNvPr>
@@ -2411,7 +2411,7 @@
           <p:cNvPr id="7" name="灯片编号占位符 6">
             <a:extLst>
               <a:ext uri="{FF2B5EF4-FFF2-40B4-BE49-F238E27FC236}">
-                <a16:creationId xmlns:a16="http://schemas.microsoft.com/office/drawing/2014/main" id="{11FD182D-FD80-FEFB-33BD-19EB5F972224}"/>
+                <a16:creationId xmlns:a16="http://schemas.microsoft.com/office/drawing/2014/main" id="{1F1EB0FD-A4AD-5D85-CAC0-4B72493C4BD5}"/>
               </a:ext>
             </a:extLst>
           </p:cNvPr>
@@ -2427,7 +2427,7 @@
           <a:bodyPr/>
           <a:lstStyle/>
           <a:p>
-            <a:fld id="{92E3963A-94AB-4F51-82B2-50E33CD08DD4}" type="slidenum">
+            <a:fld id="{296550F1-297C-4F3F-88C7-5E35AB95C220}" type="slidenum">
               <a:rPr lang="zh-CN" altLang="en-US" smtClean="0"/>
               <a:t>‹#›</a:t>
             </a:fld>
@@ -2438,7 +2438,7 @@
     </p:spTree>
     <p:extLst>
       <p:ext uri="{BB962C8B-B14F-4D97-AF65-F5344CB8AC3E}">
-        <p14:creationId xmlns:p14="http://schemas.microsoft.com/office/powerpoint/2010/main" val="3536973313"/>
+        <p14:creationId xmlns:p14="http://schemas.microsoft.com/office/powerpoint/2010/main" val="812443644"/>
       </p:ext>
     </p:extLst>
   </p:cSld>
@@ -2470,7 +2470,7 @@
           <p:cNvPr id="2" name="标题 1">
             <a:extLst>
               <a:ext uri="{FF2B5EF4-FFF2-40B4-BE49-F238E27FC236}">
-                <a16:creationId xmlns:a16="http://schemas.microsoft.com/office/drawing/2014/main" id="{D8752AB7-0E70-0349-CED7-41E0395CB773}"/>
+                <a16:creationId xmlns:a16="http://schemas.microsoft.com/office/drawing/2014/main" id="{0FBF39DD-1FBE-6917-6F9A-AC08522AE6F2}"/>
               </a:ext>
             </a:extLst>
           </p:cNvPr>
@@ -2507,7 +2507,7 @@
           <p:cNvPr id="3" name="图片占位符 2">
             <a:extLst>
               <a:ext uri="{FF2B5EF4-FFF2-40B4-BE49-F238E27FC236}">
-                <a16:creationId xmlns:a16="http://schemas.microsoft.com/office/drawing/2014/main" id="{B5F75080-1B0E-A15F-5653-3D0A6E6FCDCF}"/>
+                <a16:creationId xmlns:a16="http://schemas.microsoft.com/office/drawing/2014/main" id="{874BB8C0-FCC8-F8F8-519C-EFCCFAEE7F64}"/>
               </a:ext>
             </a:extLst>
           </p:cNvPr>
@@ -2574,7 +2574,7 @@
           <p:cNvPr id="4" name="文本占位符 3">
             <a:extLst>
               <a:ext uri="{FF2B5EF4-FFF2-40B4-BE49-F238E27FC236}">
-                <a16:creationId xmlns:a16="http://schemas.microsoft.com/office/drawing/2014/main" id="{3FCCEE05-5C15-CAA2-EB46-3C02D17B9CE2}"/>
+                <a16:creationId xmlns:a16="http://schemas.microsoft.com/office/drawing/2014/main" id="{2F40D3A2-C4B9-64CD-347C-43D51845C401}"/>
               </a:ext>
             </a:extLst>
           </p:cNvPr>
@@ -2645,7 +2645,7 @@
           <p:cNvPr id="5" name="日期占位符 4">
             <a:extLst>
               <a:ext uri="{FF2B5EF4-FFF2-40B4-BE49-F238E27FC236}">
-                <a16:creationId xmlns:a16="http://schemas.microsoft.com/office/drawing/2014/main" id="{27F8A0FE-FF61-1F5F-55C5-300C2CFE8D69}"/>
+                <a16:creationId xmlns:a16="http://schemas.microsoft.com/office/drawing/2014/main" id="{A97CBC80-070F-EBA6-4504-A42373BD731E}"/>
               </a:ext>
             </a:extLst>
           </p:cNvPr>
@@ -2661,7 +2661,7 @@
           <a:bodyPr/>
           <a:lstStyle/>
           <a:p>
-            <a:fld id="{3764A9C7-6D18-440A-8EB8-68C9FE1E069A}" type="datetimeFigureOut">
+            <a:fld id="{93158D76-9B08-4A7B-B668-641B2BDFD54F}" type="datetimeFigureOut">
               <a:rPr lang="zh-CN" altLang="en-US" smtClean="0"/>
               <a:t>2024/3/10</a:t>
             </a:fld>
@@ -2674,7 +2674,7 @@
           <p:cNvPr id="6" name="页脚占位符 5">
             <a:extLst>
               <a:ext uri="{FF2B5EF4-FFF2-40B4-BE49-F238E27FC236}">
-                <a16:creationId xmlns:a16="http://schemas.microsoft.com/office/drawing/2014/main" id="{C2D6246B-3D11-076C-C5D5-78DD4BE3A0A2}"/>
+                <a16:creationId xmlns:a16="http://schemas.microsoft.com/office/drawing/2014/main" id="{4F8D568A-64E0-9D04-DDC3-06400E3B0364}"/>
               </a:ext>
             </a:extLst>
           </p:cNvPr>
@@ -2699,7 +2699,7 @@
           <p:cNvPr id="7" name="灯片编号占位符 6">
             <a:extLst>
               <a:ext uri="{FF2B5EF4-FFF2-40B4-BE49-F238E27FC236}">
-                <a16:creationId xmlns:a16="http://schemas.microsoft.com/office/drawing/2014/main" id="{2D528984-684D-0D88-7207-38D655034D6B}"/>
+                <a16:creationId xmlns:a16="http://schemas.microsoft.com/office/drawing/2014/main" id="{0BB69435-6807-8166-1AD3-62040798E658}"/>
               </a:ext>
             </a:extLst>
           </p:cNvPr>
@@ -2715,7 +2715,7 @@
           <a:bodyPr/>
           <a:lstStyle/>
           <a:p>
-            <a:fld id="{92E3963A-94AB-4F51-82B2-50E33CD08DD4}" type="slidenum">
+            <a:fld id="{296550F1-297C-4F3F-88C7-5E35AB95C220}" type="slidenum">
               <a:rPr lang="zh-CN" altLang="en-US" smtClean="0"/>
               <a:t>‹#›</a:t>
             </a:fld>
@@ -2726,7 +2726,7 @@
     </p:spTree>
     <p:extLst>
       <p:ext uri="{BB962C8B-B14F-4D97-AF65-F5344CB8AC3E}">
-        <p14:creationId xmlns:p14="http://schemas.microsoft.com/office/powerpoint/2010/main" val="3519806646"/>
+        <p14:creationId xmlns:p14="http://schemas.microsoft.com/office/powerpoint/2010/main" val="3684557967"/>
       </p:ext>
     </p:extLst>
   </p:cSld>
@@ -2763,7 +2763,7 @@
           <p:cNvPr id="2" name="标题占位符 1">
             <a:extLst>
               <a:ext uri="{FF2B5EF4-FFF2-40B4-BE49-F238E27FC236}">
-                <a16:creationId xmlns:a16="http://schemas.microsoft.com/office/drawing/2014/main" id="{0AFA2080-C988-52E4-74AA-B5D4EE02DF62}"/>
+                <a16:creationId xmlns:a16="http://schemas.microsoft.com/office/drawing/2014/main" id="{34AFCBEC-1EE3-008C-BB4C-7DA9AD2BCF8D}"/>
               </a:ext>
             </a:extLst>
           </p:cNvPr>
@@ -2801,7 +2801,7 @@
           <p:cNvPr id="3" name="文本占位符 2">
             <a:extLst>
               <a:ext uri="{FF2B5EF4-FFF2-40B4-BE49-F238E27FC236}">
-                <a16:creationId xmlns:a16="http://schemas.microsoft.com/office/drawing/2014/main" id="{43E532FA-6787-2204-6679-B52192B3B4A2}"/>
+                <a16:creationId xmlns:a16="http://schemas.microsoft.com/office/drawing/2014/main" id="{0E8EA220-64EF-6FB9-BF2D-AFCEB9069255}"/>
               </a:ext>
             </a:extLst>
           </p:cNvPr>
@@ -2868,7 +2868,7 @@
           <p:cNvPr id="4" name="日期占位符 3">
             <a:extLst>
               <a:ext uri="{FF2B5EF4-FFF2-40B4-BE49-F238E27FC236}">
-                <a16:creationId xmlns:a16="http://schemas.microsoft.com/office/drawing/2014/main" id="{B387359A-EAB3-E7C4-3C33-FF08769DB2DD}"/>
+                <a16:creationId xmlns:a16="http://schemas.microsoft.com/office/drawing/2014/main" id="{B93A4871-A886-BABD-96BE-15C3E1A7E77F}"/>
               </a:ext>
             </a:extLst>
           </p:cNvPr>
@@ -2902,7 +2902,7 @@
             </a:lvl1pPr>
           </a:lstStyle>
           <a:p>
-            <a:fld id="{3764A9C7-6D18-440A-8EB8-68C9FE1E069A}" type="datetimeFigureOut">
+            <a:fld id="{93158D76-9B08-4A7B-B668-641B2BDFD54F}" type="datetimeFigureOut">
               <a:rPr lang="zh-CN" altLang="en-US" smtClean="0"/>
               <a:t>2024/3/10</a:t>
             </a:fld>
@@ -2915,7 +2915,7 @@
           <p:cNvPr id="5" name="页脚占位符 4">
             <a:extLst>
               <a:ext uri="{FF2B5EF4-FFF2-40B4-BE49-F238E27FC236}">
-                <a16:creationId xmlns:a16="http://schemas.microsoft.com/office/drawing/2014/main" id="{3E341902-0E68-189F-8876-51DC4D307EAC}"/>
+                <a16:creationId xmlns:a16="http://schemas.microsoft.com/office/drawing/2014/main" id="{BFC17B57-01AF-2D7F-39D8-D03A36834F69}"/>
               </a:ext>
             </a:extLst>
           </p:cNvPr>
@@ -2958,7 +2958,7 @@
           <p:cNvPr id="6" name="灯片编号占位符 5">
             <a:extLst>
               <a:ext uri="{FF2B5EF4-FFF2-40B4-BE49-F238E27FC236}">
-                <a16:creationId xmlns:a16="http://schemas.microsoft.com/office/drawing/2014/main" id="{C6090F35-2642-DA78-F52D-807A6E9E0637}"/>
+                <a16:creationId xmlns:a16="http://schemas.microsoft.com/office/drawing/2014/main" id="{117B2728-7DED-6E52-50DE-75802BD12CA1}"/>
               </a:ext>
             </a:extLst>
           </p:cNvPr>
@@ -2992,7 +2992,7 @@
             </a:lvl1pPr>
           </a:lstStyle>
           <a:p>
-            <a:fld id="{92E3963A-94AB-4F51-82B2-50E33CD08DD4}" type="slidenum">
+            <a:fld id="{296550F1-297C-4F3F-88C7-5E35AB95C220}" type="slidenum">
               <a:rPr lang="zh-CN" altLang="en-US" smtClean="0"/>
               <a:t>‹#›</a:t>
             </a:fld>
@@ -3003,7 +3003,7 @@
     </p:spTree>
     <p:extLst>
       <p:ext uri="{BB962C8B-B14F-4D97-AF65-F5344CB8AC3E}">
-        <p14:creationId xmlns:p14="http://schemas.microsoft.com/office/powerpoint/2010/main" val="2976304428"/>
+        <p14:creationId xmlns:p14="http://schemas.microsoft.com/office/powerpoint/2010/main" val="2910302848"/>
       </p:ext>
     </p:extLst>
   </p:cSld>
